--- a/RA11-2012.pptx
+++ b/RA11-2012.pptx
@@ -249,7 +249,7 @@
             <a:fld id="{1D8BD707-D9CF-40AE-B4C6-C98DA3205C09}" type="datetimeFigureOut">
               <a:rPr lang="en-US" smtClean="0"/>
               <a:pPr/>
-              <a:t>18-Feb-16</a:t>
+              <a:t>19-Feb-16</a:t>
             </a:fld>
             <a:endParaRPr lang="en-US"/>
           </a:p>
@@ -430,7 +430,7 @@
             <a:fld id="{1D8BD707-D9CF-40AE-B4C6-C98DA3205C09}" type="datetimeFigureOut">
               <a:rPr lang="en-US" smtClean="0"/>
               <a:pPr/>
-              <a:t>18-Feb-16</a:t>
+              <a:t>19-Feb-16</a:t>
             </a:fld>
             <a:endParaRPr lang="en-US"/>
           </a:p>
@@ -625,7 +625,7 @@
             <a:fld id="{1D8BD707-D9CF-40AE-B4C6-C98DA3205C09}" type="datetimeFigureOut">
               <a:rPr lang="en-US" smtClean="0"/>
               <a:pPr/>
-              <a:t>18-Feb-16</a:t>
+              <a:t>19-Feb-16</a:t>
             </a:fld>
             <a:endParaRPr lang="en-US"/>
           </a:p>
@@ -877,7 +877,7 @@
             <a:fld id="{1D8BD707-D9CF-40AE-B4C6-C98DA3205C09}" type="datetimeFigureOut">
               <a:rPr lang="en-US" smtClean="0"/>
               <a:pPr/>
-              <a:t>18-Feb-16</a:t>
+              <a:t>19-Feb-16</a:t>
             </a:fld>
             <a:endParaRPr lang="en-US"/>
           </a:p>
@@ -1128,7 +1128,7 @@
             <a:fld id="{94A9DFF7-4DC1-4D98-B876-3F25E2BE0BA6}" type="datetimeFigureOut">
               <a:rPr lang="en-US" smtClean="0"/>
               <a:pPr/>
-              <a:t>18-Feb-16</a:t>
+              <a:t>19-Feb-16</a:t>
             </a:fld>
             <a:endParaRPr lang="en-US"/>
           </a:p>
@@ -1295,7 +1295,7 @@
             <a:fld id="{94A9DFF7-4DC1-4D98-B876-3F25E2BE0BA6}" type="datetimeFigureOut">
               <a:rPr lang="en-US" smtClean="0"/>
               <a:pPr/>
-              <a:t>18-Feb-16</a:t>
+              <a:t>19-Feb-16</a:t>
             </a:fld>
             <a:endParaRPr lang="en-US"/>
           </a:p>
@@ -1538,7 +1538,7 @@
             <a:fld id="{94A9DFF7-4DC1-4D98-B876-3F25E2BE0BA6}" type="datetimeFigureOut">
               <a:rPr lang="en-US" smtClean="0"/>
               <a:pPr/>
-              <a:t>18-Feb-16</a:t>
+              <a:t>19-Feb-16</a:t>
             </a:fld>
             <a:endParaRPr lang="en-US"/>
           </a:p>
@@ -1823,7 +1823,7 @@
             <a:fld id="{94A9DFF7-4DC1-4D98-B876-3F25E2BE0BA6}" type="datetimeFigureOut">
               <a:rPr lang="en-US" smtClean="0"/>
               <a:pPr/>
-              <a:t>18-Feb-16</a:t>
+              <a:t>19-Feb-16</a:t>
             </a:fld>
             <a:endParaRPr lang="en-US"/>
           </a:p>
@@ -2242,7 +2242,7 @@
             <a:fld id="{94A9DFF7-4DC1-4D98-B876-3F25E2BE0BA6}" type="datetimeFigureOut">
               <a:rPr lang="en-US" smtClean="0"/>
               <a:pPr/>
-              <a:t>18-Feb-16</a:t>
+              <a:t>19-Feb-16</a:t>
             </a:fld>
             <a:endParaRPr lang="en-US"/>
           </a:p>
@@ -2357,7 +2357,7 @@
             <a:fld id="{94A9DFF7-4DC1-4D98-B876-3F25E2BE0BA6}" type="datetimeFigureOut">
               <a:rPr lang="en-US" smtClean="0"/>
               <a:pPr/>
-              <a:t>18-Feb-16</a:t>
+              <a:t>19-Feb-16</a:t>
             </a:fld>
             <a:endParaRPr lang="en-US"/>
           </a:p>
@@ -2449,7 +2449,7 @@
             <a:fld id="{94A9DFF7-4DC1-4D98-B876-3F25E2BE0BA6}" type="datetimeFigureOut">
               <a:rPr lang="en-US" smtClean="0"/>
               <a:pPr/>
-              <a:t>18-Feb-16</a:t>
+              <a:t>19-Feb-16</a:t>
             </a:fld>
             <a:endParaRPr lang="en-US"/>
           </a:p>
@@ -2721,7 +2721,7 @@
             <a:fld id="{1D8BD707-D9CF-40AE-B4C6-C98DA3205C09}" type="datetimeFigureOut">
               <a:rPr lang="en-US" smtClean="0"/>
               <a:pPr/>
-              <a:t>18-Feb-16</a:t>
+              <a:t>19-Feb-16</a:t>
             </a:fld>
             <a:endParaRPr lang="en-US"/>
           </a:p>
@@ -3003,7 +3003,7 @@
             <a:fld id="{94A9DFF7-4DC1-4D98-B876-3F25E2BE0BA6}" type="datetimeFigureOut">
               <a:rPr lang="en-US" smtClean="0"/>
               <a:pPr/>
-              <a:t>18-Feb-16</a:t>
+              <a:t>19-Feb-16</a:t>
             </a:fld>
             <a:endParaRPr lang="en-US"/>
           </a:p>
@@ -3257,7 +3257,7 @@
             <a:fld id="{94A9DFF7-4DC1-4D98-B876-3F25E2BE0BA6}" type="datetimeFigureOut">
               <a:rPr lang="en-US" smtClean="0"/>
               <a:pPr/>
-              <a:t>18-Feb-16</a:t>
+              <a:t>19-Feb-16</a:t>
             </a:fld>
             <a:endParaRPr lang="en-US"/>
           </a:p>
@@ -3424,7 +3424,7 @@
             <a:fld id="{94A9DFF7-4DC1-4D98-B876-3F25E2BE0BA6}" type="datetimeFigureOut">
               <a:rPr lang="en-US" smtClean="0"/>
               <a:pPr/>
-              <a:t>18-Feb-16</a:t>
+              <a:t>19-Feb-16</a:t>
             </a:fld>
             <a:endParaRPr lang="en-US"/>
           </a:p>
@@ -3601,7 +3601,7 @@
             <a:fld id="{94A9DFF7-4DC1-4D98-B876-3F25E2BE0BA6}" type="datetimeFigureOut">
               <a:rPr lang="en-US" smtClean="0"/>
               <a:pPr/>
-              <a:t>18-Feb-16</a:t>
+              <a:t>19-Feb-16</a:t>
             </a:fld>
             <a:endParaRPr lang="en-US"/>
           </a:p>
@@ -3796,7 +3796,7 @@
             <a:fld id="{1D8BD707-D9CF-40AE-B4C6-C98DA3205C09}" type="datetimeFigureOut">
               <a:rPr lang="en-US" smtClean="0"/>
               <a:pPr/>
-              <a:t>18-Feb-16</a:t>
+              <a:t>19-Feb-16</a:t>
             </a:fld>
             <a:endParaRPr lang="en-US"/>
           </a:p>
@@ -4099,7 +4099,7 @@
             <a:fld id="{1D8BD707-D9CF-40AE-B4C6-C98DA3205C09}" type="datetimeFigureOut">
               <a:rPr lang="en-US" smtClean="0"/>
               <a:pPr/>
-              <a:t>18-Feb-16</a:t>
+              <a:t>19-Feb-16</a:t>
             </a:fld>
             <a:endParaRPr lang="en-US"/>
           </a:p>
@@ -4536,7 +4536,7 @@
             <a:fld id="{1D8BD707-D9CF-40AE-B4C6-C98DA3205C09}" type="datetimeFigureOut">
               <a:rPr lang="en-US" smtClean="0"/>
               <a:pPr/>
-              <a:t>18-Feb-16</a:t>
+              <a:t>19-Feb-16</a:t>
             </a:fld>
             <a:endParaRPr lang="en-US"/>
           </a:p>
@@ -4669,7 +4669,7 @@
             <a:fld id="{1D8BD707-D9CF-40AE-B4C6-C98DA3205C09}" type="datetimeFigureOut">
               <a:rPr lang="en-US" smtClean="0"/>
               <a:pPr/>
-              <a:t>18-Feb-16</a:t>
+              <a:t>19-Feb-16</a:t>
             </a:fld>
             <a:endParaRPr lang="en-US"/>
           </a:p>
@@ -4779,7 +4779,7 @@
             <a:fld id="{1D8BD707-D9CF-40AE-B4C6-C98DA3205C09}" type="datetimeFigureOut">
               <a:rPr lang="en-US" smtClean="0"/>
               <a:pPr/>
-              <a:t>18-Feb-16</a:t>
+              <a:t>19-Feb-16</a:t>
             </a:fld>
             <a:endParaRPr lang="en-US"/>
           </a:p>
@@ -5071,7 +5071,7 @@
             <a:fld id="{1D8BD707-D9CF-40AE-B4C6-C98DA3205C09}" type="datetimeFigureOut">
               <a:rPr lang="en-US" smtClean="0"/>
               <a:pPr/>
-              <a:t>18-Feb-16</a:t>
+              <a:t>19-Feb-16</a:t>
             </a:fld>
             <a:endParaRPr lang="en-US"/>
           </a:p>
@@ -5343,7 +5343,7 @@
             <a:fld id="{1D8BD707-D9CF-40AE-B4C6-C98DA3205C09}" type="datetimeFigureOut">
               <a:rPr lang="en-US" smtClean="0"/>
               <a:pPr/>
-              <a:t>18-Feb-16</a:t>
+              <a:t>19-Feb-16</a:t>
             </a:fld>
             <a:endParaRPr lang="en-US"/>
           </a:p>
@@ -5597,7 +5597,7 @@
             <a:fld id="{1D8BD707-D9CF-40AE-B4C6-C98DA3205C09}" type="datetimeFigureOut">
               <a:rPr lang="en-US" smtClean="0"/>
               <a:pPr/>
-              <a:t>18-Feb-16</a:t>
+              <a:t>19-Feb-16</a:t>
             </a:fld>
             <a:endParaRPr lang="en-US"/>
           </a:p>
@@ -6237,7 +6237,7 @@
             <a:fld id="{94A9DFF7-4DC1-4D98-B876-3F25E2BE0BA6}" type="datetimeFigureOut">
               <a:rPr lang="en-US" smtClean="0"/>
               <a:pPr/>
-              <a:t>18-Feb-16</a:t>
+              <a:t>19-Feb-16</a:t>
             </a:fld>
             <a:endParaRPr lang="en-US"/>
           </a:p>
@@ -6725,7 +6725,7 @@
     </p:spTree>
     <p:extLst>
       <p:ext uri="{BB962C8B-B14F-4D97-AF65-F5344CB8AC3E}">
-        <p14:creationId xmlns:p14="http://schemas.microsoft.com/office/powerpoint/2010/main" xmlns="" val="2147162411"/>
+        <p14:creationId xmlns="" xmlns:p14="http://schemas.microsoft.com/office/powerpoint/2010/main" val="2147162411"/>
       </p:ext>
     </p:extLst>
   </p:cSld>
@@ -6929,7 +6929,7 @@
     </p:spTree>
     <p:extLst>
       <p:ext uri="{BB962C8B-B14F-4D97-AF65-F5344CB8AC3E}">
-        <p14:creationId xmlns:p14="http://schemas.microsoft.com/office/powerpoint/2010/main" xmlns="" val="589375503"/>
+        <p14:creationId xmlns="" xmlns:p14="http://schemas.microsoft.com/office/powerpoint/2010/main" val="589375503"/>
       </p:ext>
     </p:extLst>
   </p:cSld>
@@ -7055,7 +7055,7 @@
     </p:spTree>
     <p:extLst>
       <p:ext uri="{BB962C8B-B14F-4D97-AF65-F5344CB8AC3E}">
-        <p14:creationId xmlns:p14="http://schemas.microsoft.com/office/powerpoint/2010/main" xmlns="" val="1675368024"/>
+        <p14:creationId xmlns="" xmlns:p14="http://schemas.microsoft.com/office/powerpoint/2010/main" val="1675368024"/>
       </p:ext>
     </p:extLst>
   </p:cSld>
@@ -7160,7 +7160,35 @@
           <a:p>
             <a:r>
               <a:rPr lang="sr-Latn-RS" dirty="0" smtClean="0"/>
-              <a:t>Obrada slike za prepoznavanje naredbe.</a:t>
+              <a:t>Obrada slike za prepoznavanje </a:t>
+            </a:r>
+            <a:r>
+              <a:rPr lang="sr-Latn-RS" dirty="0" smtClean="0"/>
+              <a:t>naredbe</a:t>
+            </a:r>
+            <a:r>
+              <a:rPr lang="en-US" dirty="0" smtClean="0"/>
+              <a:t>(</a:t>
+            </a:r>
+            <a:r>
+              <a:rPr lang="en-US" dirty="0" err="1" smtClean="0"/>
+              <a:t>ili</a:t>
+            </a:r>
+            <a:r>
+              <a:rPr lang="en-US" dirty="0" smtClean="0"/>
+              <a:t> </a:t>
+            </a:r>
+            <a:r>
+              <a:rPr lang="en-US" dirty="0" err="1" smtClean="0"/>
+              <a:t>zvuka</a:t>
+            </a:r>
+            <a:r>
+              <a:rPr lang="en-US" dirty="0" smtClean="0"/>
+              <a:t>)</a:t>
+            </a:r>
+            <a:r>
+              <a:rPr lang="sr-Latn-RS" dirty="0" smtClean="0"/>
+              <a:t>.</a:t>
             </a:r>
             <a:endParaRPr lang="en-US" dirty="0" smtClean="0"/>
           </a:p>
@@ -7185,7 +7213,7 @@
     </p:spTree>
     <p:extLst>
       <p:ext uri="{BB962C8B-B14F-4D97-AF65-F5344CB8AC3E}">
-        <p14:creationId xmlns:p14="http://schemas.microsoft.com/office/powerpoint/2010/main" xmlns="" val="4093731221"/>
+        <p14:creationId xmlns="" xmlns:p14="http://schemas.microsoft.com/office/powerpoint/2010/main" val="4093731221"/>
       </p:ext>
     </p:extLst>
   </p:cSld>
@@ -7259,14 +7287,60 @@
           <a:p>
             <a:r>
               <a:rPr lang="sr-Latn-RS" dirty="0" smtClean="0"/>
-              <a:t>Ideja je da program što bolje prepozna zvuk uz prisustvo pozadniskih zvukova.</a:t>
-            </a:r>
-          </a:p>
-          <a:p>
+              <a:t>Ideja je da program što bolje prepozna </a:t>
+            </a:r>
             <a:r>
               <a:rPr lang="sr-Latn-RS" dirty="0" smtClean="0"/>
-              <a:t>Igrač treba da se kreće samo kada je prepoznat zvuk. Ukoliko zvuk ne odgovara nijednoj naredbi, igrač ne treba da se kreće.</a:t>
-            </a:r>
+              <a:t>zvuk</a:t>
+            </a:r>
+            <a:endParaRPr lang="sr-Latn-RS" dirty="0" smtClean="0"/>
+          </a:p>
+          <a:p>
+            <a:r>
+              <a:rPr lang="sr-Latn-RS" dirty="0" smtClean="0"/>
+              <a:t>Igrač treba da </a:t>
+            </a:r>
+            <a:r>
+              <a:rPr lang="en-US" dirty="0" err="1" smtClean="0"/>
+              <a:t>promeni</a:t>
+            </a:r>
+            <a:r>
+              <a:rPr lang="en-US" dirty="0" smtClean="0"/>
+              <a:t> </a:t>
+            </a:r>
+            <a:r>
+              <a:rPr lang="en-US" dirty="0" err="1" smtClean="0"/>
+              <a:t>stanje</a:t>
+            </a:r>
+            <a:r>
+              <a:rPr lang="en-US" dirty="0" smtClean="0"/>
+              <a:t> </a:t>
+            </a:r>
+            <a:r>
+              <a:rPr lang="sr-Latn-RS" dirty="0" smtClean="0"/>
+              <a:t>samo </a:t>
+            </a:r>
+            <a:r>
+              <a:rPr lang="sr-Latn-RS" dirty="0" smtClean="0"/>
+              <a:t>kada je prepoznat zvuk. Ukoliko zvuk ne odgovara nijednoj naredbi, igrač </a:t>
+            </a:r>
+            <a:r>
+              <a:rPr lang="en-US" dirty="0" err="1" smtClean="0"/>
+              <a:t>menja</a:t>
+            </a:r>
+            <a:r>
+              <a:rPr lang="en-US" dirty="0" smtClean="0"/>
+              <a:t> </a:t>
+            </a:r>
+            <a:r>
+              <a:rPr lang="en-US" dirty="0" err="1" smtClean="0"/>
+              <a:t>stanje</a:t>
+            </a:r>
+            <a:r>
+              <a:rPr lang="sr-Latn-RS" dirty="0" smtClean="0"/>
+              <a:t>.</a:t>
+            </a:r>
+            <a:endParaRPr lang="sr-Latn-RS" dirty="0" smtClean="0"/>
           </a:p>
           <a:p>
             <a:r>
@@ -7294,7 +7368,7 @@
     </p:spTree>
     <p:extLst>
       <p:ext uri="{BB962C8B-B14F-4D97-AF65-F5344CB8AC3E}">
-        <p14:creationId xmlns:p14="http://schemas.microsoft.com/office/powerpoint/2010/main" xmlns="" val="1649551186"/>
+        <p14:creationId xmlns="" xmlns:p14="http://schemas.microsoft.com/office/powerpoint/2010/main" val="1649551186"/>
       </p:ext>
     </p:extLst>
   </p:cSld>
@@ -7419,7 +7493,7 @@
     </p:spTree>
     <p:extLst>
       <p:ext uri="{BB962C8B-B14F-4D97-AF65-F5344CB8AC3E}">
-        <p14:creationId xmlns:p14="http://schemas.microsoft.com/office/powerpoint/2010/main" xmlns="" val="2610146159"/>
+        <p14:creationId xmlns="" xmlns:p14="http://schemas.microsoft.com/office/powerpoint/2010/main" val="2610146159"/>
       </p:ext>
     </p:extLst>
   </p:cSld>
@@ -7577,7 +7651,7 @@
               <a:t> u </a:t>
             </a:r>
             <a:r>
-              <a:rPr lang="en-US" smtClean="0"/>
+              <a:rPr lang="en-US" dirty="0" err="1" smtClean="0"/>
               <a:t>mrezu</a:t>
             </a:r>
             <a:endParaRPr lang="en-US" dirty="0" smtClean="0"/>
@@ -7642,6 +7716,34 @@
             <a:r>
               <a:rPr lang="en-US" dirty="0" err="1" smtClean="0"/>
               <a:t>ulaz</a:t>
+            </a:r>
+            <a:r>
+              <a:rPr lang="en-US" dirty="0" smtClean="0"/>
+              <a:t>(</a:t>
+            </a:r>
+            <a:r>
+              <a:rPr lang="en-US" dirty="0" err="1" smtClean="0"/>
+              <a:t>vektor</a:t>
+            </a:r>
+            <a:r>
+              <a:rPr lang="en-US" dirty="0" smtClean="0"/>
+              <a:t> </a:t>
+            </a:r>
+            <a:r>
+              <a:rPr lang="en-US" dirty="0" err="1" smtClean="0"/>
+              <a:t>od</a:t>
+            </a:r>
+            <a:r>
+              <a:rPr lang="en-US" dirty="0" smtClean="0"/>
+              <a:t> 150 </a:t>
+            </a:r>
+            <a:r>
+              <a:rPr lang="en-US" dirty="0" err="1" smtClean="0"/>
+              <a:t>tacaka</a:t>
+            </a:r>
+            <a:r>
+              <a:rPr lang="en-US" dirty="0" smtClean="0"/>
+              <a:t>)</a:t>
             </a:r>
             <a:endParaRPr lang="en-US" dirty="0" smtClean="0"/>
           </a:p>
@@ -8240,7 +8342,7 @@
             </a:r>
             <a:r>
               <a:rPr lang="en-US" dirty="0" err="1" smtClean="0"/>
-              <a:t>prestavljaju</a:t>
+              <a:t>predstavljaju</a:t>
             </a:r>
             <a:r>
               <a:rPr lang="en-US" dirty="0" smtClean="0"/>
@@ -8418,11 +8520,11 @@
             </a:r>
             <a:r>
               <a:rPr lang="en-US" dirty="0" err="1" smtClean="0"/>
-              <a:t>overtono</a:t>
-            </a:r>
-            <a:r>
-              <a:rPr lang="en-US" dirty="0" smtClean="0"/>
-              <a:t>-ova”</a:t>
+              <a:t>overtonova</a:t>
+            </a:r>
+            <a:r>
+              <a:rPr lang="en-US" dirty="0" smtClean="0"/>
+              <a:t>”</a:t>
             </a:r>
           </a:p>
           <a:p>
